--- a/dmanolov/Информатика 11 клас, ПП (C#)/М2.Структури от данни и алгоритми/06.Опашки/06.Опашки.pptx
+++ b/dmanolov/Информатика 11 клас, ПП (C#)/М2.Структури от данни и алгоритми/06.Опашки/06.Опашки.pptx
@@ -4757,6 +4757,13 @@
   <p:clrMapOvr>
     <a:masterClrMapping/>
   </p:clrMapOvr>
+  <p:timing>
+    <p:tnLst>
+      <p:par>
+        <p:cTn id="1" dur="indefinite" restart="never" nodeType="tmRoot"/>
+      </p:par>
+    </p:tnLst>
+  </p:timing>
 </p:sld>
 </file>
 
@@ -6428,6 +6435,13 @@
   <p:clrMapOvr>
     <a:masterClrMapping/>
   </p:clrMapOvr>
+  <p:timing>
+    <p:tnLst>
+      <p:par>
+        <p:cTn id="1" dur="indefinite" restart="never" nodeType="tmRoot"/>
+      </p:par>
+    </p:tnLst>
+  </p:timing>
 </p:sld>
 </file>
 
@@ -6860,6 +6874,13 @@
   <p:clrMapOvr>
     <a:masterClrMapping/>
   </p:clrMapOvr>
+  <p:timing>
+    <p:tnLst>
+      <p:par>
+        <p:cTn id="1" dur="indefinite" restart="never" nodeType="tmRoot"/>
+      </p:par>
+    </p:tnLst>
+  </p:timing>
 </p:sld>
 </file>
 
@@ -7078,226 +7099,7 @@
   <p:timing>
     <p:tnLst>
       <p:par>
-        <p:cTn id="1" dur="indefinite" restart="never" nodeType="tmRoot">
-          <p:childTnLst>
-            <p:seq concurrent="1" nextAc="seek">
-              <p:cTn id="2" dur="indefinite" nodeType="mainSeq">
-                <p:childTnLst>
-                  <p:par>
-                    <p:cTn id="3" fill="hold">
-                      <p:stCondLst>
-                        <p:cond delay="indefinite"/>
-                      </p:stCondLst>
-                      <p:childTnLst>
-                        <p:par>
-                          <p:cTn id="4" fill="hold">
-                            <p:stCondLst>
-                              <p:cond delay="0"/>
-                            </p:stCondLst>
-                            <p:childTnLst>
-                              <p:par>
-                                <p:cTn id="5" presetID="1" presetClass="entr" presetSubtype="0" fill="hold" nodeType="clickEffect">
-                                  <p:stCondLst>
-                                    <p:cond delay="0"/>
-                                  </p:stCondLst>
-                                  <p:childTnLst>
-                                    <p:set>
-                                      <p:cBhvr>
-                                        <p:cTn id="6" dur="1" fill="hold">
-                                          <p:stCondLst>
-                                            <p:cond delay="0"/>
-                                          </p:stCondLst>
-                                        </p:cTn>
-                                        <p:tgtEl>
-                                          <p:spTgt spid="8">
-                                            <p:txEl>
-                                              <p:pRg st="0" end="0"/>
-                                            </p:txEl>
-                                          </p:spTgt>
-                                        </p:tgtEl>
-                                        <p:attrNameLst>
-                                          <p:attrName>style.visibility</p:attrName>
-                                        </p:attrNameLst>
-                                      </p:cBhvr>
-                                      <p:to>
-                                        <p:strVal val="visible"/>
-                                      </p:to>
-                                    </p:set>
-                                  </p:childTnLst>
-                                </p:cTn>
-                              </p:par>
-                            </p:childTnLst>
-                          </p:cTn>
-                        </p:par>
-                      </p:childTnLst>
-                    </p:cTn>
-                  </p:par>
-                  <p:par>
-                    <p:cTn id="7" fill="hold">
-                      <p:stCondLst>
-                        <p:cond delay="indefinite"/>
-                      </p:stCondLst>
-                      <p:childTnLst>
-                        <p:par>
-                          <p:cTn id="8" fill="hold">
-                            <p:stCondLst>
-                              <p:cond delay="0"/>
-                            </p:stCondLst>
-                            <p:childTnLst>
-                              <p:par>
-                                <p:cTn id="9" presetID="1" presetClass="entr" presetSubtype="0" fill="hold" nodeType="clickEffect">
-                                  <p:stCondLst>
-                                    <p:cond delay="0"/>
-                                  </p:stCondLst>
-                                  <p:childTnLst>
-                                    <p:set>
-                                      <p:cBhvr>
-                                        <p:cTn id="10" dur="1" fill="hold">
-                                          <p:stCondLst>
-                                            <p:cond delay="0"/>
-                                          </p:stCondLst>
-                                        </p:cTn>
-                                        <p:tgtEl>
-                                          <p:spTgt spid="8">
-                                            <p:txEl>
-                                              <p:pRg st="1" end="1"/>
-                                            </p:txEl>
-                                          </p:spTgt>
-                                        </p:tgtEl>
-                                        <p:attrNameLst>
-                                          <p:attrName>style.visibility</p:attrName>
-                                        </p:attrNameLst>
-                                      </p:cBhvr>
-                                      <p:to>
-                                        <p:strVal val="visible"/>
-                                      </p:to>
-                                    </p:set>
-                                  </p:childTnLst>
-                                </p:cTn>
-                              </p:par>
-                            </p:childTnLst>
-                          </p:cTn>
-                        </p:par>
-                      </p:childTnLst>
-                    </p:cTn>
-                  </p:par>
-                  <p:par>
-                    <p:cTn id="11" fill="hold">
-                      <p:stCondLst>
-                        <p:cond delay="indefinite"/>
-                      </p:stCondLst>
-                      <p:childTnLst>
-                        <p:par>
-                          <p:cTn id="12" fill="hold">
-                            <p:stCondLst>
-                              <p:cond delay="0"/>
-                            </p:stCondLst>
-                            <p:childTnLst>
-                              <p:par>
-                                <p:cTn id="13" presetID="1" presetClass="entr" presetSubtype="0" fill="hold" nodeType="clickEffect">
-                                  <p:stCondLst>
-                                    <p:cond delay="0"/>
-                                  </p:stCondLst>
-                                  <p:childTnLst>
-                                    <p:set>
-                                      <p:cBhvr>
-                                        <p:cTn id="14" dur="1" fill="hold">
-                                          <p:stCondLst>
-                                            <p:cond delay="0"/>
-                                          </p:stCondLst>
-                                        </p:cTn>
-                                        <p:tgtEl>
-                                          <p:spTgt spid="8">
-                                            <p:txEl>
-                                              <p:pRg st="2" end="2"/>
-                                            </p:txEl>
-                                          </p:spTgt>
-                                        </p:tgtEl>
-                                        <p:attrNameLst>
-                                          <p:attrName>style.visibility</p:attrName>
-                                        </p:attrNameLst>
-                                      </p:cBhvr>
-                                      <p:to>
-                                        <p:strVal val="visible"/>
-                                      </p:to>
-                                    </p:set>
-                                  </p:childTnLst>
-                                </p:cTn>
-                              </p:par>
-                            </p:childTnLst>
-                          </p:cTn>
-                        </p:par>
-                      </p:childTnLst>
-                    </p:cTn>
-                  </p:par>
-                  <p:par>
-                    <p:cTn id="15" fill="hold">
-                      <p:stCondLst>
-                        <p:cond delay="indefinite"/>
-                      </p:stCondLst>
-                      <p:childTnLst>
-                        <p:par>
-                          <p:cTn id="16" fill="hold">
-                            <p:stCondLst>
-                              <p:cond delay="0"/>
-                            </p:stCondLst>
-                            <p:childTnLst>
-                              <p:par>
-                                <p:cTn id="17" presetID="1" presetClass="entr" presetSubtype="0" fill="hold" nodeType="clickEffect">
-                                  <p:stCondLst>
-                                    <p:cond delay="0"/>
-                                  </p:stCondLst>
-                                  <p:childTnLst>
-                                    <p:set>
-                                      <p:cBhvr>
-                                        <p:cTn id="18" dur="1" fill="hold">
-                                          <p:stCondLst>
-                                            <p:cond delay="0"/>
-                                          </p:stCondLst>
-                                        </p:cTn>
-                                        <p:tgtEl>
-                                          <p:spTgt spid="8">
-                                            <p:txEl>
-                                              <p:pRg st="3" end="3"/>
-                                            </p:txEl>
-                                          </p:spTgt>
-                                        </p:tgtEl>
-                                        <p:attrNameLst>
-                                          <p:attrName>style.visibility</p:attrName>
-                                        </p:attrNameLst>
-                                      </p:cBhvr>
-                                      <p:to>
-                                        <p:strVal val="visible"/>
-                                      </p:to>
-                                    </p:set>
-                                  </p:childTnLst>
-                                </p:cTn>
-                              </p:par>
-                            </p:childTnLst>
-                          </p:cTn>
-                        </p:par>
-                      </p:childTnLst>
-                    </p:cTn>
-                  </p:par>
-                </p:childTnLst>
-              </p:cTn>
-              <p:prevCondLst>
-                <p:cond evt="onPrev" delay="0">
-                  <p:tgtEl>
-                    <p:sldTgt/>
-                  </p:tgtEl>
-                </p:cond>
-              </p:prevCondLst>
-              <p:nextCondLst>
-                <p:cond evt="onNext" delay="0">
-                  <p:tgtEl>
-                    <p:sldTgt/>
-                  </p:tgtEl>
-                </p:cond>
-              </p:nextCondLst>
-            </p:seq>
-          </p:childTnLst>
-        </p:cTn>
+        <p:cTn id="1" dur="indefinite" restart="never" nodeType="tmRoot"/>
       </p:par>
     </p:tnLst>
   </p:timing>
@@ -7375,8 +7177,53 @@
             </a:r>
             <a:r>
               <a:rPr lang="bg-BG" sz="3600" dirty="0"/>
-              <a:t>е структура от данни, която има поведение от тип „първи влязъл, първи излиза“. </a:t>
-            </a:r>
+              <a:t>е структура от данни, която има поведение от тип </a:t>
+            </a:r>
+            <a:r>
+              <a:rPr lang="en-US" sz="3600" dirty="0"/>
+              <a:t>FIFO (First In, First </a:t>
+            </a:r>
+            <a:r>
+              <a:rPr lang="en-US" sz="3600" dirty="0" smtClean="0"/>
+              <a:t>Out</a:t>
+            </a:r>
+            <a:r>
+              <a:rPr lang="bg-BG" sz="3600" dirty="0" smtClean="0"/>
+              <a:t>)</a:t>
+            </a:r>
+            <a:r>
+              <a:rPr lang="en-US" sz="3600" dirty="0" smtClean="0"/>
+              <a:t> –</a:t>
+            </a:r>
+            <a:r>
+              <a:rPr lang="bg-BG" sz="3600" dirty="0" smtClean="0"/>
+              <a:t>„</a:t>
+            </a:r>
+            <a:r>
+              <a:rPr lang="bg-BG" sz="3600" dirty="0"/>
+              <a:t>първи </a:t>
+            </a:r>
+            <a:r>
+              <a:rPr lang="bg-BG" sz="3600" dirty="0" smtClean="0"/>
+              <a:t>влиза, </a:t>
+            </a:r>
+            <a:r>
+              <a:rPr lang="bg-BG" sz="3600" dirty="0"/>
+              <a:t>първи </a:t>
+            </a:r>
+            <a:r>
+              <a:rPr lang="bg-BG" sz="3600" dirty="0" smtClean="0"/>
+              <a:t>изли</a:t>
+            </a:r>
+            <a:r>
+              <a:rPr lang="bg-BG" sz="3600" dirty="0" smtClean="0"/>
+              <a:t>за</a:t>
+            </a:r>
+            <a:r>
+              <a:rPr lang="bg-BG" sz="3600" dirty="0" smtClean="0"/>
+              <a:t>“. </a:t>
+            </a:r>
+            <a:endParaRPr lang="bg-BG" sz="3600" dirty="0"/>
           </a:p>
           <a:p>
             <a:r>
@@ -7474,11 +7321,7 @@
             </a:r>
             <a:r>
               <a:rPr lang="bg-BG" sz="3600" dirty="0"/>
-              <a:t>, </a:t>
-            </a:r>
-            <a:r>
-              <a:rPr lang="bg-BG" sz="3600"/>
-              <a:t>чрез възел със стойност и указател към следващ елемент</a:t>
+              <a:t>, чрез възел със стойност и указател към следващ елемент</a:t>
             </a:r>
             <a:endParaRPr lang="en-US" sz="3600" b="1" dirty="0">
               <a:solidFill>
@@ -7921,7 +7764,12 @@
             <p:ph type="body" idx="1"/>
           </p:nvPr>
         </p:nvSpPr>
-        <p:spPr/>
+        <p:spPr>
+          <a:xfrm>
+            <a:off x="190413" y="1151121"/>
+            <a:ext cx="11998412" cy="5570355"/>
+          </a:xfrm>
+        </p:spPr>
         <p:txBody>
           <a:bodyPr/>
           <a:lstStyle/>
@@ -7998,10 +7846,28 @@
               <a:t> (</a:t>
             </a:r>
             <a:r>
+              <a:rPr lang="bg-BG" sz="3000" dirty="0" smtClean="0">
+                <a:cs typeface="Times New Roman" panose="02020603050405020304" pitchFamily="18" charset="0"/>
+              </a:rPr>
+              <a:t>като </a:t>
+            </a:r>
+            <a:r>
               <a:rPr lang="bg-BG" sz="3000" dirty="0">
                 <a:cs typeface="Times New Roman" panose="02020603050405020304" pitchFamily="18" charset="0"/>
               </a:rPr>
-              <a:t>когато се запълни се заделя двойно място</a:t>
+              <a:t>се </a:t>
+            </a:r>
+            <a:r>
+              <a:rPr lang="bg-BG" sz="3000" dirty="0" smtClean="0">
+                <a:cs typeface="Times New Roman" panose="02020603050405020304" pitchFamily="18" charset="0"/>
+              </a:rPr>
+              <a:t>запълни, </a:t>
+            </a:r>
+            <a:r>
+              <a:rPr lang="bg-BG" sz="3000" dirty="0">
+                <a:cs typeface="Times New Roman" panose="02020603050405020304" pitchFamily="18" charset="0"/>
+              </a:rPr>
+              <a:t>се заделя двойно място</a:t>
             </a:r>
             <a:r>
               <a:rPr lang="en-US" sz="3000" dirty="0">
@@ -9339,6 +9205,206 @@
           </a:p>
         </p:txBody>
       </p:sp>
+      <p:sp>
+        <p:nvSpPr>
+          <p:cNvPr id="12" name="AutoShape 8"/>
+          <p:cNvSpPr>
+            <a:spLocks noChangeArrowheads="1"/>
+          </p:cNvSpPr>
+          <p:nvPr/>
+        </p:nvSpPr>
+        <p:spPr bwMode="auto">
+          <a:xfrm>
+            <a:off x="311577" y="4678476"/>
+            <a:ext cx="2485148" cy="1950924"/>
+          </a:xfrm>
+          <a:prstGeom prst="wedgeRoundRectCallout">
+            <a:avLst>
+              <a:gd name="adj1" fmla="val 104815"/>
+              <a:gd name="adj2" fmla="val 37689"/>
+              <a:gd name="adj3" fmla="val 16667"/>
+            </a:avLst>
+          </a:prstGeom>
+          <a:solidFill>
+            <a:srgbClr val="663606">
+              <a:alpha val="94902"/>
+            </a:srgbClr>
+          </a:solidFill>
+          <a:ln w="19050">
+            <a:solidFill>
+              <a:srgbClr val="F8D49E">
+                <a:alpha val="80000"/>
+              </a:srgbClr>
+            </a:solidFill>
+          </a:ln>
+        </p:spPr>
+        <p:style>
+          <a:lnRef idx="2">
+            <a:schemeClr val="accent1">
+              <a:shade val="50000"/>
+            </a:schemeClr>
+          </a:lnRef>
+          <a:fillRef idx="1">
+            <a:schemeClr val="accent1"/>
+          </a:fillRef>
+          <a:effectRef idx="0">
+            <a:schemeClr val="accent1"/>
+          </a:effectRef>
+          <a:fontRef idx="minor">
+            <a:schemeClr val="lt1"/>
+          </a:fontRef>
+        </p:style>
+        <p:txBody>
+          <a:bodyPr rot="0" spcFirstLastPara="0" vertOverflow="overflow" horzOverflow="overflow" vert="horz" wrap="square" lIns="91440" tIns="45720" rIns="91440" bIns="45720" numCol="1" spcCol="0" rtlCol="0" fromWordArt="0" anchor="ctr" anchorCtr="0" forceAA="0" compatLnSpc="1">
+            <a:noAutofit/>
+          </a:bodyPr>
+          <a:lstStyle/>
+          <a:p>
+            <a:pPr algn="ctr"/>
+            <a:r>
+              <a:rPr lang="bg-BG" sz="2800" noProof="1">
+                <a:solidFill>
+                  <a:srgbClr val="FFFFFF"/>
+                </a:solidFill>
+              </a:rPr>
+              <a:t>Четем и можем да премахнем </a:t>
+            </a:r>
+            <a:r>
+              <a:rPr lang="bg-BG" sz="2800" noProof="1">
+                <a:solidFill>
+                  <a:srgbClr val="FFFFFF"/>
+                </a:solidFill>
+              </a:rPr>
+              <a:t>само </a:t>
+            </a:r>
+            <a:r>
+              <a:rPr lang="bg-BG" sz="2800" noProof="1" smtClean="0">
+                <a:solidFill>
+                  <a:srgbClr val="FFFFFF"/>
+                </a:solidFill>
+              </a:rPr>
+              <a:t>първия</a:t>
+            </a:r>
+            <a:endParaRPr lang="en-US" sz="2800" noProof="1">
+              <a:solidFill>
+                <a:srgbClr val="FFFFFF"/>
+              </a:solidFill>
+            </a:endParaRPr>
+          </a:p>
+        </p:txBody>
+      </p:sp>
+      <p:sp>
+        <p:nvSpPr>
+          <p:cNvPr id="13" name="AutoShape 8"/>
+          <p:cNvSpPr>
+            <a:spLocks noChangeArrowheads="1"/>
+          </p:cNvSpPr>
+          <p:nvPr/>
+        </p:nvSpPr>
+        <p:spPr bwMode="auto">
+          <a:xfrm>
+            <a:off x="9308128" y="4876800"/>
+            <a:ext cx="2198300" cy="1648202"/>
+          </a:xfrm>
+          <a:prstGeom prst="wedgeRoundRectCallout">
+            <a:avLst>
+              <a:gd name="adj1" fmla="val -128448"/>
+              <a:gd name="adj2" fmla="val 39865"/>
+              <a:gd name="adj3" fmla="val 16667"/>
+            </a:avLst>
+          </a:prstGeom>
+          <a:solidFill>
+            <a:srgbClr val="663606">
+              <a:alpha val="94902"/>
+            </a:srgbClr>
+          </a:solidFill>
+          <a:ln w="19050">
+            <a:solidFill>
+              <a:srgbClr val="F8D49E">
+                <a:alpha val="80000"/>
+              </a:srgbClr>
+            </a:solidFill>
+          </a:ln>
+        </p:spPr>
+        <p:style>
+          <a:lnRef idx="2">
+            <a:schemeClr val="accent1">
+              <a:shade val="50000"/>
+            </a:schemeClr>
+          </a:lnRef>
+          <a:fillRef idx="1">
+            <a:schemeClr val="accent1"/>
+          </a:fillRef>
+          <a:effectRef idx="0">
+            <a:schemeClr val="accent1"/>
+          </a:effectRef>
+          <a:fontRef idx="minor">
+            <a:schemeClr val="lt1"/>
+          </a:fontRef>
+        </p:style>
+        <p:txBody>
+          <a:bodyPr rot="0" spcFirstLastPara="0" vertOverflow="overflow" horzOverflow="overflow" vert="horz" wrap="square" lIns="91440" tIns="45720" rIns="91440" bIns="45720" numCol="1" spcCol="0" rtlCol="0" fromWordArt="0" anchor="ctr" anchorCtr="0" forceAA="0" compatLnSpc="1">
+            <a:noAutofit/>
+          </a:bodyPr>
+          <a:lstStyle/>
+          <a:p>
+            <a:pPr algn="ctr"/>
+            <a:r>
+              <a:rPr lang="bg-BG" sz="2800" noProof="1">
+                <a:solidFill>
+                  <a:srgbClr val="FFFFFF"/>
+                </a:solidFill>
+              </a:rPr>
+              <a:t>М</a:t>
+            </a:r>
+            <a:r>
+              <a:rPr lang="bg-BG" sz="2800" noProof="1" smtClean="0">
+                <a:solidFill>
+                  <a:srgbClr val="FFFFFF"/>
+                </a:solidFill>
+              </a:rPr>
+              <a:t>ожем </a:t>
+            </a:r>
+            <a:r>
+              <a:rPr lang="bg-BG" sz="2800" noProof="1">
+                <a:solidFill>
+                  <a:srgbClr val="FFFFFF"/>
+                </a:solidFill>
+              </a:rPr>
+              <a:t>да </a:t>
+            </a:r>
+            <a:r>
+              <a:rPr lang="bg-BG" sz="2800" noProof="1" smtClean="0">
+                <a:solidFill>
+                  <a:srgbClr val="FFFFFF"/>
+                </a:solidFill>
+              </a:rPr>
+              <a:t>добавяме </a:t>
+            </a:r>
+            <a:r>
+              <a:rPr lang="bg-BG" sz="2800" noProof="1">
+                <a:solidFill>
+                  <a:srgbClr val="FFFFFF"/>
+                </a:solidFill>
+              </a:rPr>
+              <a:t>само </a:t>
+            </a:r>
+            <a:r>
+              <a:rPr lang="bg-BG" sz="2800" noProof="1" smtClean="0">
+                <a:solidFill>
+                  <a:srgbClr val="FFFFFF"/>
+                </a:solidFill>
+              </a:rPr>
+              <a:t>в края</a:t>
+            </a:r>
+            <a:endParaRPr lang="en-US" sz="2800" noProof="1">
+              <a:solidFill>
+                <a:srgbClr val="FFFFFF"/>
+              </a:solidFill>
+            </a:endParaRPr>
+          </a:p>
+        </p:txBody>
+      </p:sp>
     </p:spTree>
   </p:cSld>
   <p:clrMapOvr>
@@ -9706,6 +9772,96 @@
                       </p:childTnLst>
                     </p:cTn>
                   </p:par>
+                  <p:par>
+                    <p:cTn id="31" fill="hold">
+                      <p:stCondLst>
+                        <p:cond delay="indefinite"/>
+                      </p:stCondLst>
+                      <p:childTnLst>
+                        <p:par>
+                          <p:cTn id="32" fill="hold">
+                            <p:stCondLst>
+                              <p:cond delay="0"/>
+                            </p:stCondLst>
+                            <p:childTnLst>
+                              <p:par>
+                                <p:cTn id="33" presetID="1" presetClass="entr" presetSubtype="0" fill="hold" grpId="0" nodeType="clickEffect">
+                                  <p:stCondLst>
+                                    <p:cond delay="0"/>
+                                  </p:stCondLst>
+                                  <p:childTnLst>
+                                    <p:set>
+                                      <p:cBhvr>
+                                        <p:cTn id="34" dur="1" fill="hold">
+                                          <p:stCondLst>
+                                            <p:cond delay="0"/>
+                                          </p:stCondLst>
+                                        </p:cTn>
+                                        <p:tgtEl>
+                                          <p:spTgt spid="12"/>
+                                        </p:tgtEl>
+                                        <p:attrNameLst>
+                                          <p:attrName>style.visibility</p:attrName>
+                                        </p:attrNameLst>
+                                      </p:cBhvr>
+                                      <p:to>
+                                        <p:strVal val="visible"/>
+                                      </p:to>
+                                    </p:set>
+                                  </p:childTnLst>
+                                </p:cTn>
+                              </p:par>
+                            </p:childTnLst>
+                          </p:cTn>
+                        </p:par>
+                      </p:childTnLst>
+                    </p:cTn>
+                  </p:par>
+                  <p:par>
+                    <p:cTn id="35" fill="hold">
+                      <p:stCondLst>
+                        <p:cond delay="indefinite"/>
+                      </p:stCondLst>
+                      <p:childTnLst>
+                        <p:par>
+                          <p:cTn id="36" fill="hold">
+                            <p:stCondLst>
+                              <p:cond delay="0"/>
+                            </p:stCondLst>
+                            <p:childTnLst>
+                              <p:par>
+                                <p:cTn id="37" presetID="1" presetClass="entr" presetSubtype="0" fill="hold" grpId="0" nodeType="clickEffect">
+                                  <p:stCondLst>
+                                    <p:cond delay="0"/>
+                                  </p:stCondLst>
+                                  <p:childTnLst>
+                                    <p:set>
+                                      <p:cBhvr>
+                                        <p:cTn id="38" dur="1" fill="hold">
+                                          <p:stCondLst>
+                                            <p:cond delay="0"/>
+                                          </p:stCondLst>
+                                        </p:cTn>
+                                        <p:tgtEl>
+                                          <p:spTgt spid="13"/>
+                                        </p:tgtEl>
+                                        <p:attrNameLst>
+                                          <p:attrName>style.visibility</p:attrName>
+                                        </p:attrNameLst>
+                                      </p:cBhvr>
+                                      <p:to>
+                                        <p:strVal val="visible"/>
+                                      </p:to>
+                                    </p:set>
+                                  </p:childTnLst>
+                                </p:cTn>
+                              </p:par>
+                            </p:childTnLst>
+                          </p:cTn>
+                        </p:par>
+                      </p:childTnLst>
+                    </p:cTn>
+                  </p:par>
                 </p:childTnLst>
               </p:cTn>
               <p:prevCondLst>
@@ -9734,6 +9890,8 @@
       <p:bldP spid="35" grpId="0"/>
       <p:bldP spid="36" grpId="0" animBg="1"/>
       <p:bldP spid="37" grpId="0"/>
+      <p:bldP spid="12" grpId="0" bldLvl="0" animBg="1"/>
+      <p:bldP spid="13" grpId="0" bldLvl="0" animBg="1"/>
     </p:bldLst>
   </p:timing>
 </p:sld>
@@ -11393,6 +11551,206 @@
                 <a:prstClr val="white">
                   <a:tint val="75000"/>
                 </a:prstClr>
+              </a:solidFill>
+            </a:endParaRPr>
+          </a:p>
+        </p:txBody>
+      </p:sp>
+      <p:sp>
+        <p:nvSpPr>
+          <p:cNvPr id="18" name="AutoShape 8"/>
+          <p:cNvSpPr>
+            <a:spLocks noChangeArrowheads="1"/>
+          </p:cNvSpPr>
+          <p:nvPr/>
+        </p:nvSpPr>
+        <p:spPr bwMode="auto">
+          <a:xfrm>
+            <a:off x="238484" y="5638801"/>
+            <a:ext cx="4344255" cy="984440"/>
+          </a:xfrm>
+          <a:prstGeom prst="wedgeRoundRectCallout">
+            <a:avLst>
+              <a:gd name="adj1" fmla="val -226"/>
+              <a:gd name="adj2" fmla="val -89918"/>
+              <a:gd name="adj3" fmla="val 16667"/>
+            </a:avLst>
+          </a:prstGeom>
+          <a:solidFill>
+            <a:srgbClr val="663606">
+              <a:alpha val="94902"/>
+            </a:srgbClr>
+          </a:solidFill>
+          <a:ln w="19050">
+            <a:solidFill>
+              <a:srgbClr val="F8D49E">
+                <a:alpha val="80000"/>
+              </a:srgbClr>
+            </a:solidFill>
+          </a:ln>
+        </p:spPr>
+        <p:style>
+          <a:lnRef idx="2">
+            <a:schemeClr val="accent1">
+              <a:shade val="50000"/>
+            </a:schemeClr>
+          </a:lnRef>
+          <a:fillRef idx="1">
+            <a:schemeClr val="accent1"/>
+          </a:fillRef>
+          <a:effectRef idx="0">
+            <a:schemeClr val="accent1"/>
+          </a:effectRef>
+          <a:fontRef idx="minor">
+            <a:schemeClr val="lt1"/>
+          </a:fontRef>
+        </p:style>
+        <p:txBody>
+          <a:bodyPr rot="0" spcFirstLastPara="0" vertOverflow="overflow" horzOverflow="overflow" vert="horz" wrap="square" lIns="91440" tIns="45720" rIns="91440" bIns="45720" numCol="1" spcCol="0" rtlCol="0" fromWordArt="0" anchor="ctr" anchorCtr="0" forceAA="0" compatLnSpc="1">
+            <a:noAutofit/>
+          </a:bodyPr>
+          <a:lstStyle/>
+          <a:p>
+            <a:pPr algn="ctr"/>
+            <a:r>
+              <a:rPr lang="bg-BG" sz="2800" noProof="1">
+                <a:solidFill>
+                  <a:srgbClr val="FFFFFF"/>
+                </a:solidFill>
+              </a:rPr>
+              <a:t>Четем и можем да премахнем </a:t>
+            </a:r>
+            <a:r>
+              <a:rPr lang="bg-BG" sz="2800" noProof="1">
+                <a:solidFill>
+                  <a:srgbClr val="FFFFFF"/>
+                </a:solidFill>
+              </a:rPr>
+              <a:t>само </a:t>
+            </a:r>
+            <a:r>
+              <a:rPr lang="bg-BG" sz="2800" noProof="1" smtClean="0">
+                <a:solidFill>
+                  <a:srgbClr val="FFFFFF"/>
+                </a:solidFill>
+              </a:rPr>
+              <a:t>първия</a:t>
+            </a:r>
+            <a:endParaRPr lang="en-US" sz="2800" noProof="1">
+              <a:solidFill>
+                <a:srgbClr val="FFFFFF"/>
+              </a:solidFill>
+            </a:endParaRPr>
+          </a:p>
+        </p:txBody>
+      </p:sp>
+      <p:sp>
+        <p:nvSpPr>
+          <p:cNvPr id="19" name="AutoShape 8"/>
+          <p:cNvSpPr>
+            <a:spLocks noChangeArrowheads="1"/>
+          </p:cNvSpPr>
+          <p:nvPr/>
+        </p:nvSpPr>
+        <p:spPr bwMode="auto">
+          <a:xfrm>
+            <a:off x="9612311" y="2095959"/>
+            <a:ext cx="2198300" cy="1648202"/>
+          </a:xfrm>
+          <a:prstGeom prst="wedgeRoundRectCallout">
+            <a:avLst>
+              <a:gd name="adj1" fmla="val -64015"/>
+              <a:gd name="adj2" fmla="val 89905"/>
+              <a:gd name="adj3" fmla="val 16667"/>
+            </a:avLst>
+          </a:prstGeom>
+          <a:solidFill>
+            <a:srgbClr val="663606">
+              <a:alpha val="94902"/>
+            </a:srgbClr>
+          </a:solidFill>
+          <a:ln w="19050">
+            <a:solidFill>
+              <a:srgbClr val="F8D49E">
+                <a:alpha val="80000"/>
+              </a:srgbClr>
+            </a:solidFill>
+          </a:ln>
+        </p:spPr>
+        <p:style>
+          <a:lnRef idx="2">
+            <a:schemeClr val="accent1">
+              <a:shade val="50000"/>
+            </a:schemeClr>
+          </a:lnRef>
+          <a:fillRef idx="1">
+            <a:schemeClr val="accent1"/>
+          </a:fillRef>
+          <a:effectRef idx="0">
+            <a:schemeClr val="accent1"/>
+          </a:effectRef>
+          <a:fontRef idx="minor">
+            <a:schemeClr val="lt1"/>
+          </a:fontRef>
+        </p:style>
+        <p:txBody>
+          <a:bodyPr rot="0" spcFirstLastPara="0" vertOverflow="overflow" horzOverflow="overflow" vert="horz" wrap="square" lIns="91440" tIns="45720" rIns="91440" bIns="45720" numCol="1" spcCol="0" rtlCol="0" fromWordArt="0" anchor="ctr" anchorCtr="0" forceAA="0" compatLnSpc="1">
+            <a:noAutofit/>
+          </a:bodyPr>
+          <a:lstStyle/>
+          <a:p>
+            <a:pPr algn="ctr"/>
+            <a:r>
+              <a:rPr lang="bg-BG" sz="2800" noProof="1">
+                <a:solidFill>
+                  <a:srgbClr val="FFFFFF"/>
+                </a:solidFill>
+              </a:rPr>
+              <a:t>М</a:t>
+            </a:r>
+            <a:r>
+              <a:rPr lang="bg-BG" sz="2800" noProof="1" smtClean="0">
+                <a:solidFill>
+                  <a:srgbClr val="FFFFFF"/>
+                </a:solidFill>
+              </a:rPr>
+              <a:t>ожем </a:t>
+            </a:r>
+            <a:r>
+              <a:rPr lang="bg-BG" sz="2800" noProof="1">
+                <a:solidFill>
+                  <a:srgbClr val="FFFFFF"/>
+                </a:solidFill>
+              </a:rPr>
+              <a:t>да </a:t>
+            </a:r>
+            <a:r>
+              <a:rPr lang="bg-BG" sz="2800" noProof="1" smtClean="0">
+                <a:solidFill>
+                  <a:srgbClr val="FFFFFF"/>
+                </a:solidFill>
+              </a:rPr>
+              <a:t>добавяме </a:t>
+            </a:r>
+            <a:r>
+              <a:rPr lang="bg-BG" sz="2800" noProof="1">
+                <a:solidFill>
+                  <a:srgbClr val="FFFFFF"/>
+                </a:solidFill>
+              </a:rPr>
+              <a:t>само </a:t>
+            </a:r>
+            <a:r>
+              <a:rPr lang="bg-BG" sz="2800" noProof="1" smtClean="0">
+                <a:solidFill>
+                  <a:srgbClr val="FFFFFF"/>
+                </a:solidFill>
+              </a:rPr>
+              <a:t>в края</a:t>
+            </a:r>
+            <a:endParaRPr lang="en-US" sz="2800" noProof="1">
+              <a:solidFill>
+                <a:srgbClr val="FFFFFF"/>
               </a:solidFill>
             </a:endParaRPr>
           </a:p>
@@ -11932,6 +12290,96 @@
                       </p:childTnLst>
                     </p:cTn>
                   </p:par>
+                  <p:par>
+                    <p:cTn id="45" fill="hold">
+                      <p:stCondLst>
+                        <p:cond delay="indefinite"/>
+                      </p:stCondLst>
+                      <p:childTnLst>
+                        <p:par>
+                          <p:cTn id="46" fill="hold">
+                            <p:stCondLst>
+                              <p:cond delay="0"/>
+                            </p:stCondLst>
+                            <p:childTnLst>
+                              <p:par>
+                                <p:cTn id="47" presetID="1" presetClass="entr" presetSubtype="0" fill="hold" grpId="0" nodeType="clickEffect">
+                                  <p:stCondLst>
+                                    <p:cond delay="0"/>
+                                  </p:stCondLst>
+                                  <p:childTnLst>
+                                    <p:set>
+                                      <p:cBhvr>
+                                        <p:cTn id="48" dur="1" fill="hold">
+                                          <p:stCondLst>
+                                            <p:cond delay="0"/>
+                                          </p:stCondLst>
+                                        </p:cTn>
+                                        <p:tgtEl>
+                                          <p:spTgt spid="18"/>
+                                        </p:tgtEl>
+                                        <p:attrNameLst>
+                                          <p:attrName>style.visibility</p:attrName>
+                                        </p:attrNameLst>
+                                      </p:cBhvr>
+                                      <p:to>
+                                        <p:strVal val="visible"/>
+                                      </p:to>
+                                    </p:set>
+                                  </p:childTnLst>
+                                </p:cTn>
+                              </p:par>
+                            </p:childTnLst>
+                          </p:cTn>
+                        </p:par>
+                      </p:childTnLst>
+                    </p:cTn>
+                  </p:par>
+                  <p:par>
+                    <p:cTn id="49" fill="hold">
+                      <p:stCondLst>
+                        <p:cond delay="indefinite"/>
+                      </p:stCondLst>
+                      <p:childTnLst>
+                        <p:par>
+                          <p:cTn id="50" fill="hold">
+                            <p:stCondLst>
+                              <p:cond delay="0"/>
+                            </p:stCondLst>
+                            <p:childTnLst>
+                              <p:par>
+                                <p:cTn id="51" presetID="1" presetClass="entr" presetSubtype="0" fill="hold" grpId="0" nodeType="clickEffect">
+                                  <p:stCondLst>
+                                    <p:cond delay="0"/>
+                                  </p:stCondLst>
+                                  <p:childTnLst>
+                                    <p:set>
+                                      <p:cBhvr>
+                                        <p:cTn id="52" dur="1" fill="hold">
+                                          <p:stCondLst>
+                                            <p:cond delay="0"/>
+                                          </p:stCondLst>
+                                        </p:cTn>
+                                        <p:tgtEl>
+                                          <p:spTgt spid="19"/>
+                                        </p:tgtEl>
+                                        <p:attrNameLst>
+                                          <p:attrName>style.visibility</p:attrName>
+                                        </p:attrNameLst>
+                                      </p:cBhvr>
+                                      <p:to>
+                                        <p:strVal val="visible"/>
+                                      </p:to>
+                                    </p:set>
+                                  </p:childTnLst>
+                                </p:cTn>
+                              </p:par>
+                            </p:childTnLst>
+                          </p:cTn>
+                        </p:par>
+                      </p:childTnLst>
+                    </p:cTn>
+                  </p:par>
                 </p:childTnLst>
               </p:cTn>
               <p:prevCondLst>
@@ -11963,6 +12411,8 @@
       <p:bldP spid="39" grpId="0" animBg="1"/>
       <p:bldP spid="40" grpId="0" animBg="1"/>
       <p:bldP spid="41" grpId="0"/>
+      <p:bldP spid="18" grpId="0" bldLvl="0" animBg="1"/>
+      <p:bldP spid="19" grpId="0" bldLvl="0" animBg="1"/>
     </p:bldLst>
   </p:timing>
 </p:sld>
@@ -11995,7 +12445,12 @@
             <p:ph type="body" idx="1"/>
           </p:nvPr>
         </p:nvSpPr>
-        <p:spPr/>
+        <p:spPr>
+          <a:xfrm>
+            <a:off x="190413" y="1151121"/>
+            <a:ext cx="11998412" cy="5570355"/>
+          </a:xfrm>
+        </p:spPr>
         <p:txBody>
           <a:bodyPr>
             <a:normAutofit/>
@@ -13317,43 +13772,21 @@
                                   </p:childTnLst>
                                 </p:cTn>
                               </p:par>
-                            </p:childTnLst>
-                          </p:cTn>
-                        </p:par>
-                      </p:childTnLst>
-                    </p:cTn>
-                  </p:par>
-                  <p:par>
-                    <p:cTn id="17" fill="hold">
-                      <p:stCondLst>
-                        <p:cond delay="indefinite"/>
-                      </p:stCondLst>
-                      <p:childTnLst>
-                        <p:par>
-                          <p:cTn id="18" fill="hold">
-                            <p:stCondLst>
-                              <p:cond delay="0"/>
-                            </p:stCondLst>
-                            <p:childTnLst>
                               <p:par>
-                                <p:cTn id="19" presetID="1" presetClass="entr" presetSubtype="0" fill="hold" nodeType="clickEffect">
+                                <p:cTn id="17" presetID="1" presetClass="entr" presetSubtype="0" fill="hold" grpId="0" nodeType="withEffect">
                                   <p:stCondLst>
                                     <p:cond delay="0"/>
                                   </p:stCondLst>
                                   <p:childTnLst>
                                     <p:set>
                                       <p:cBhvr>
-                                        <p:cTn id="20" dur="1" fill="hold">
+                                        <p:cTn id="18" dur="1" fill="hold">
                                           <p:stCondLst>
                                             <p:cond delay="0"/>
                                           </p:stCondLst>
                                         </p:cTn>
                                         <p:tgtEl>
-                                          <p:spTgt spid="634883">
-                                            <p:txEl>
-                                              <p:pRg st="6" end="6"/>
-                                            </p:txEl>
-                                          </p:spTgt>
+                                          <p:spTgt spid="6"/>
                                         </p:tgtEl>
                                         <p:attrNameLst>
                                           <p:attrName>style.visibility</p:attrName>
@@ -13366,8 +13799,26 @@
                                   </p:childTnLst>
                                 </p:cTn>
                               </p:par>
+                            </p:childTnLst>
+                          </p:cTn>
+                        </p:par>
+                      </p:childTnLst>
+                    </p:cTn>
+                  </p:par>
+                  <p:par>
+                    <p:cTn id="19" fill="hold">
+                      <p:stCondLst>
+                        <p:cond delay="indefinite"/>
+                      </p:stCondLst>
+                      <p:childTnLst>
+                        <p:par>
+                          <p:cTn id="20" fill="hold">
+                            <p:stCondLst>
+                              <p:cond delay="0"/>
+                            </p:stCondLst>
+                            <p:childTnLst>
                               <p:par>
-                                <p:cTn id="21" presetID="1" presetClass="entr" presetSubtype="0" fill="hold" grpId="0" nodeType="withEffect">
+                                <p:cTn id="21" presetID="1" presetClass="entr" presetSubtype="0" fill="hold" nodeType="clickEffect">
                                   <p:stCondLst>
                                     <p:cond delay="0"/>
                                   </p:stCondLst>
@@ -13380,7 +13831,11 @@
                                           </p:stCondLst>
                                         </p:cTn>
                                         <p:tgtEl>
-                                          <p:spTgt spid="6"/>
+                                          <p:spTgt spid="634883">
+                                            <p:txEl>
+                                              <p:pRg st="6" end="6"/>
+                                            </p:txEl>
+                                          </p:spTgt>
                                         </p:tgtEl>
                                         <p:attrNameLst>
                                           <p:attrName>style.visibility</p:attrName>
